--- a/와이어프레임.pptx
+++ b/와이어프레임.pptx
@@ -5136,60 +5136,6 @@
       </p:sp>
       <p:sp>
         <p:nvSpPr>
-          <p:cNvPr id="7" name="사각형: 둥근 모서리 6">
-            <a:extLst>
-              <a:ext uri="{FF2B5EF4-FFF2-40B4-BE49-F238E27FC236}">
-                <a16:creationId xmlns:a16="http://schemas.microsoft.com/office/drawing/2014/main" id="{C6EA911E-8ED0-421F-AABA-0BFD2325AFC4}"/>
-              </a:ext>
-            </a:extLst>
-          </p:cNvPr>
-          <p:cNvSpPr/>
-          <p:nvPr/>
-        </p:nvSpPr>
-        <p:spPr>
-          <a:xfrm>
-            <a:off x="9364980" y="1348740"/>
-            <a:ext cx="1325880" cy="320040"/>
-          </a:xfrm>
-          <a:prstGeom prst="roundRect">
-            <a:avLst/>
-          </a:prstGeom>
-        </p:spPr>
-        <p:style>
-          <a:lnRef idx="2">
-            <a:schemeClr val="accent1">
-              <a:shade val="50000"/>
-            </a:schemeClr>
-          </a:lnRef>
-          <a:fillRef idx="1">
-            <a:schemeClr val="accent1"/>
-          </a:fillRef>
-          <a:effectRef idx="0">
-            <a:schemeClr val="accent1"/>
-          </a:effectRef>
-          <a:fontRef idx="minor">
-            <a:schemeClr val="lt1"/>
-          </a:fontRef>
-        </p:style>
-        <p:txBody>
-          <a:bodyPr rtlCol="0" anchor="ctr"/>
-          <a:lstStyle/>
-          <a:p>
-            <a:pPr algn="ctr"/>
-            <a:r>
-              <a:rPr lang="ko-KR" altLang="en-US" dirty="0"/>
-              <a:t>골드 </a:t>
-            </a:r>
-            <a:r>
-              <a:rPr lang="en-US" altLang="ko-KR" dirty="0"/>
-              <a:t>: 999</a:t>
-            </a:r>
-            <a:endParaRPr lang="ko-KR" altLang="en-US" dirty="0"/>
-          </a:p>
-        </p:txBody>
-      </p:sp>
-      <p:sp>
-        <p:nvSpPr>
           <p:cNvPr id="17" name="사각형: 둥근 모서리 16">
             <a:extLst>
               <a:ext uri="{FF2B5EF4-FFF2-40B4-BE49-F238E27FC236}">
@@ -5407,60 +5353,6 @@
       </p:sp>
       <p:sp>
         <p:nvSpPr>
-          <p:cNvPr id="7" name="사각형: 둥근 모서리 6">
-            <a:extLst>
-              <a:ext uri="{FF2B5EF4-FFF2-40B4-BE49-F238E27FC236}">
-                <a16:creationId xmlns:a16="http://schemas.microsoft.com/office/drawing/2014/main" id="{C6EA911E-8ED0-421F-AABA-0BFD2325AFC4}"/>
-              </a:ext>
-            </a:extLst>
-          </p:cNvPr>
-          <p:cNvSpPr/>
-          <p:nvPr/>
-        </p:nvSpPr>
-        <p:spPr>
-          <a:xfrm>
-            <a:off x="9364980" y="1348740"/>
-            <a:ext cx="1325880" cy="320040"/>
-          </a:xfrm>
-          <a:prstGeom prst="roundRect">
-            <a:avLst/>
-          </a:prstGeom>
-        </p:spPr>
-        <p:style>
-          <a:lnRef idx="2">
-            <a:schemeClr val="accent1">
-              <a:shade val="50000"/>
-            </a:schemeClr>
-          </a:lnRef>
-          <a:fillRef idx="1">
-            <a:schemeClr val="accent1"/>
-          </a:fillRef>
-          <a:effectRef idx="0">
-            <a:schemeClr val="accent1"/>
-          </a:effectRef>
-          <a:fontRef idx="minor">
-            <a:schemeClr val="lt1"/>
-          </a:fontRef>
-        </p:style>
-        <p:txBody>
-          <a:bodyPr rtlCol="0" anchor="ctr"/>
-          <a:lstStyle/>
-          <a:p>
-            <a:pPr algn="ctr"/>
-            <a:r>
-              <a:rPr lang="ko-KR" altLang="en-US" dirty="0"/>
-              <a:t>골드 </a:t>
-            </a:r>
-            <a:r>
-              <a:rPr lang="en-US" altLang="ko-KR" dirty="0"/>
-              <a:t>: 999</a:t>
-            </a:r>
-            <a:endParaRPr lang="ko-KR" altLang="en-US" dirty="0"/>
-          </a:p>
-        </p:txBody>
-      </p:sp>
-      <p:sp>
-        <p:nvSpPr>
           <p:cNvPr id="9" name="TextBox 8">
             <a:extLst>
               <a:ext uri="{FF2B5EF4-FFF2-40B4-BE49-F238E27FC236}">
@@ -5918,7 +5810,7 @@
         <p:spPr>
           <a:xfrm>
             <a:off x="4280832" y="1473038"/>
-            <a:ext cx="3627120" cy="4511040"/>
+            <a:ext cx="3627120" cy="4122419"/>
           </a:xfrm>
           <a:prstGeom prst="roundRect">
             <a:avLst/>
@@ -5999,7 +5891,7 @@
         </p:nvSpPr>
         <p:spPr>
           <a:xfrm>
-            <a:off x="4871382" y="2232660"/>
+            <a:off x="4871382" y="2655763"/>
             <a:ext cx="2446020" cy="1196340"/>
           </a:xfrm>
           <a:prstGeom prst="rect">
@@ -6069,10 +5961,10 @@
       </p:sp>
       <p:sp>
         <p:nvSpPr>
-          <p:cNvPr id="12" name="직사각형 11">
-            <a:extLst>
-              <a:ext uri="{FF2B5EF4-FFF2-40B4-BE49-F238E27FC236}">
-                <a16:creationId xmlns:a16="http://schemas.microsoft.com/office/drawing/2014/main" id="{18783551-FC0B-48C6-860D-76B7E02496FC}"/>
+          <p:cNvPr id="14" name="직사각형 13">
+            <a:extLst>
+              <a:ext uri="{FF2B5EF4-FFF2-40B4-BE49-F238E27FC236}">
+                <a16:creationId xmlns:a16="http://schemas.microsoft.com/office/drawing/2014/main" id="{B62178C8-5EF9-41D9-B95E-F5B6F6E35E87}"/>
               </a:ext>
             </a:extLst>
           </p:cNvPr>
@@ -6081,8 +5973,8 @@
         </p:nvSpPr>
         <p:spPr>
           <a:xfrm>
-            <a:off x="4879299" y="3510199"/>
-            <a:ext cx="2446020" cy="1196340"/>
+            <a:off x="5593936" y="4217961"/>
+            <a:ext cx="932856" cy="442978"/>
           </a:xfrm>
           <a:prstGeom prst="rect">
             <a:avLst/>
@@ -6110,70 +6002,19 @@
           <a:p>
             <a:pPr algn="ctr"/>
             <a:r>
-              <a:rPr lang="ko-KR" altLang="en-US" dirty="0"/>
-              <a:t>화면 설정 </a:t>
-            </a:r>
-            <a:r>
-              <a:rPr lang="ko-KR" altLang="en-US" dirty="0" err="1"/>
-              <a:t>드롭박스</a:t>
-            </a:r>
-            <a:endParaRPr lang="en-US" altLang="ko-KR" dirty="0"/>
-          </a:p>
-          <a:p>
-            <a:pPr algn="ctr"/>
-            <a:r>
-              <a:rPr lang="en-US" altLang="ko-KR" dirty="0"/>
-              <a:t>(</a:t>
-            </a:r>
-            <a:r>
-              <a:rPr lang="ko-KR" altLang="en-US" dirty="0"/>
-              <a:t>해상도</a:t>
-            </a:r>
-            <a:r>
-              <a:rPr lang="en-US" altLang="ko-KR" dirty="0"/>
-              <a:t>)</a:t>
-            </a:r>
-          </a:p>
-          <a:p>
-            <a:pPr algn="ctr"/>
-            <a:r>
-              <a:rPr lang="ko-KR" altLang="en-US" dirty="0"/>
-              <a:t>화면 모드 체크 박스</a:t>
-            </a:r>
-            <a:endParaRPr lang="en-US" altLang="ko-KR" dirty="0"/>
-          </a:p>
-          <a:p>
-            <a:pPr algn="ctr"/>
-            <a:r>
-              <a:rPr lang="en-US" altLang="ko-KR" dirty="0"/>
-              <a:t>(</a:t>
-            </a:r>
-            <a:r>
-              <a:rPr lang="ko-KR" altLang="en-US" dirty="0"/>
-              <a:t>전체 화면</a:t>
-            </a:r>
-            <a:r>
-              <a:rPr lang="en-US" altLang="ko-KR" dirty="0"/>
-              <a:t>, </a:t>
-            </a:r>
-            <a:r>
-              <a:rPr lang="ko-KR" altLang="en-US" dirty="0"/>
-              <a:t>창 화면</a:t>
-            </a:r>
-            <a:r>
-              <a:rPr lang="en-US" altLang="ko-KR" dirty="0"/>
-              <a:t>)</a:t>
-            </a:r>
-            <a:endParaRPr lang="ko-KR" altLang="en-US" dirty="0"/>
-          </a:p>
-        </p:txBody>
-      </p:sp>
-      <p:sp>
-        <p:nvSpPr>
-          <p:cNvPr id="14" name="직사각형 13">
-            <a:extLst>
-              <a:ext uri="{FF2B5EF4-FFF2-40B4-BE49-F238E27FC236}">
-                <a16:creationId xmlns:a16="http://schemas.microsoft.com/office/drawing/2014/main" id="{B62178C8-5EF9-41D9-B95E-F5B6F6E35E87}"/>
+              <a:rPr lang="ko-KR" altLang="en-US" sz="1000"/>
+              <a:t>적용 및 닫기</a:t>
+            </a:r>
+            <a:endParaRPr lang="ko-KR" altLang="en-US" sz="1000" dirty="0"/>
+          </a:p>
+        </p:txBody>
+      </p:sp>
+      <p:sp>
+        <p:nvSpPr>
+          <p:cNvPr id="15" name="직사각형 14">
+            <a:extLst>
+              <a:ext uri="{FF2B5EF4-FFF2-40B4-BE49-F238E27FC236}">
+                <a16:creationId xmlns:a16="http://schemas.microsoft.com/office/drawing/2014/main" id="{6A6D1DC7-E93B-45EC-8DAD-A2F6EC091B80}"/>
               </a:ext>
             </a:extLst>
           </p:cNvPr>
@@ -6182,7 +6023,7 @@
         </p:nvSpPr>
         <p:spPr>
           <a:xfrm>
-            <a:off x="5635881" y="5034828"/>
+            <a:off x="6638855" y="4217961"/>
             <a:ext cx="932856" cy="442978"/>
           </a:xfrm>
           <a:prstGeom prst="rect">
@@ -6211,19 +6052,18 @@
           <a:p>
             <a:pPr algn="ctr"/>
             <a:r>
-              <a:rPr lang="ko-KR" altLang="en-US" sz="1000"/>
-              <a:t>적용 및 닫기</a:t>
-            </a:r>
-            <a:endParaRPr lang="ko-KR" altLang="en-US" sz="1000" dirty="0"/>
-          </a:p>
-        </p:txBody>
-      </p:sp>
-      <p:sp>
-        <p:nvSpPr>
-          <p:cNvPr id="15" name="직사각형 14">
-            <a:extLst>
-              <a:ext uri="{FF2B5EF4-FFF2-40B4-BE49-F238E27FC236}">
-                <a16:creationId xmlns:a16="http://schemas.microsoft.com/office/drawing/2014/main" id="{6A6D1DC7-E93B-45EC-8DAD-A2F6EC091B80}"/>
+              <a:rPr lang="ko-KR" altLang="en-US" sz="1000" dirty="0"/>
+              <a:t>적용</a:t>
+            </a:r>
+          </a:p>
+        </p:txBody>
+      </p:sp>
+      <p:sp>
+        <p:nvSpPr>
+          <p:cNvPr id="16" name="직사각형 15">
+            <a:extLst>
+              <a:ext uri="{FF2B5EF4-FFF2-40B4-BE49-F238E27FC236}">
+                <a16:creationId xmlns:a16="http://schemas.microsoft.com/office/drawing/2014/main" id="{BD94417D-52CC-4B4F-A274-F70A4334B554}"/>
               </a:ext>
             </a:extLst>
           </p:cNvPr>
@@ -6232,56 +6072,7 @@
         </p:nvSpPr>
         <p:spPr>
           <a:xfrm>
-            <a:off x="6680800" y="5034828"/>
-            <a:ext cx="932856" cy="442978"/>
-          </a:xfrm>
-          <a:prstGeom prst="rect">
-            <a:avLst/>
-          </a:prstGeom>
-        </p:spPr>
-        <p:style>
-          <a:lnRef idx="2">
-            <a:schemeClr val="accent3">
-              <a:shade val="50000"/>
-            </a:schemeClr>
-          </a:lnRef>
-          <a:fillRef idx="1">
-            <a:schemeClr val="accent3"/>
-          </a:fillRef>
-          <a:effectRef idx="0">
-            <a:schemeClr val="accent3"/>
-          </a:effectRef>
-          <a:fontRef idx="minor">
-            <a:schemeClr val="lt1"/>
-          </a:fontRef>
-        </p:style>
-        <p:txBody>
-          <a:bodyPr rtlCol="0" anchor="ctr"/>
-          <a:lstStyle/>
-          <a:p>
-            <a:pPr algn="ctr"/>
-            <a:r>
-              <a:rPr lang="ko-KR" altLang="en-US" sz="1000" dirty="0"/>
-              <a:t>적용</a:t>
-            </a:r>
-          </a:p>
-        </p:txBody>
-      </p:sp>
-      <p:sp>
-        <p:nvSpPr>
-          <p:cNvPr id="16" name="직사각형 15">
-            <a:extLst>
-              <a:ext uri="{FF2B5EF4-FFF2-40B4-BE49-F238E27FC236}">
-                <a16:creationId xmlns:a16="http://schemas.microsoft.com/office/drawing/2014/main" id="{BD94417D-52CC-4B4F-A274-F70A4334B554}"/>
-              </a:ext>
-            </a:extLst>
-          </p:cNvPr>
-          <p:cNvSpPr/>
-          <p:nvPr/>
-        </p:nvSpPr>
-        <p:spPr>
-          <a:xfrm>
-            <a:off x="4590962" y="5034828"/>
+            <a:off x="4549017" y="4217961"/>
             <a:ext cx="932856" cy="442978"/>
           </a:xfrm>
           <a:prstGeom prst="rect">
@@ -7719,8 +7510,8 @@
         </p:nvSpPr>
         <p:spPr>
           <a:xfrm>
-            <a:off x="4144179" y="297783"/>
-            <a:ext cx="3900428" cy="584775"/>
+            <a:off x="3938997" y="297783"/>
+            <a:ext cx="4310795" cy="584775"/>
           </a:xfrm>
           <a:prstGeom prst="rect">
             <a:avLst/>
@@ -7735,12 +7526,8 @@
           <a:p>
             <a:pPr algn="ctr"/>
             <a:r>
-              <a:rPr lang="ko-KR" altLang="en-US" sz="3200"/>
-              <a:t>블록 쌓기 </a:t>
-            </a:r>
-            <a:r>
               <a:rPr lang="ko-KR" altLang="en-US" sz="3200" dirty="0"/>
-              <a:t>게임 화면</a:t>
+              <a:t>숫자 더하기 게임 화면</a:t>
             </a:r>
           </a:p>
         </p:txBody>

--- a/와이어프레임.pptx
+++ b/와이어프레임.pptx
@@ -268,7 +268,7 @@
           <a:p>
             <a:fld id="{30F02898-5469-459A-89FC-A3640E250F04}" type="datetimeFigureOut">
               <a:rPr lang="ko-KR" altLang="en-US" smtClean="0"/>
-              <a:t>2025-05-05</a:t>
+              <a:t>2025-05-06</a:t>
             </a:fld>
             <a:endParaRPr lang="ko-KR" altLang="en-US"/>
           </a:p>
@@ -466,7 +466,7 @@
           <a:p>
             <a:fld id="{30F02898-5469-459A-89FC-A3640E250F04}" type="datetimeFigureOut">
               <a:rPr lang="ko-KR" altLang="en-US" smtClean="0"/>
-              <a:t>2025-05-05</a:t>
+              <a:t>2025-05-06</a:t>
             </a:fld>
             <a:endParaRPr lang="ko-KR" altLang="en-US"/>
           </a:p>
@@ -674,7 +674,7 @@
           <a:p>
             <a:fld id="{30F02898-5469-459A-89FC-A3640E250F04}" type="datetimeFigureOut">
               <a:rPr lang="ko-KR" altLang="en-US" smtClean="0"/>
-              <a:t>2025-05-05</a:t>
+              <a:t>2025-05-06</a:t>
             </a:fld>
             <a:endParaRPr lang="ko-KR" altLang="en-US"/>
           </a:p>
@@ -872,7 +872,7 @@
           <a:p>
             <a:fld id="{30F02898-5469-459A-89FC-A3640E250F04}" type="datetimeFigureOut">
               <a:rPr lang="ko-KR" altLang="en-US" smtClean="0"/>
-              <a:t>2025-05-05</a:t>
+              <a:t>2025-05-06</a:t>
             </a:fld>
             <a:endParaRPr lang="ko-KR" altLang="en-US"/>
           </a:p>
@@ -1147,7 +1147,7 @@
           <a:p>
             <a:fld id="{30F02898-5469-459A-89FC-A3640E250F04}" type="datetimeFigureOut">
               <a:rPr lang="ko-KR" altLang="en-US" smtClean="0"/>
-              <a:t>2025-05-05</a:t>
+              <a:t>2025-05-06</a:t>
             </a:fld>
             <a:endParaRPr lang="ko-KR" altLang="en-US"/>
           </a:p>
@@ -1412,7 +1412,7 @@
           <a:p>
             <a:fld id="{30F02898-5469-459A-89FC-A3640E250F04}" type="datetimeFigureOut">
               <a:rPr lang="ko-KR" altLang="en-US" smtClean="0"/>
-              <a:t>2025-05-05</a:t>
+              <a:t>2025-05-06</a:t>
             </a:fld>
             <a:endParaRPr lang="ko-KR" altLang="en-US"/>
           </a:p>
@@ -1824,7 +1824,7 @@
           <a:p>
             <a:fld id="{30F02898-5469-459A-89FC-A3640E250F04}" type="datetimeFigureOut">
               <a:rPr lang="ko-KR" altLang="en-US" smtClean="0"/>
-              <a:t>2025-05-05</a:t>
+              <a:t>2025-05-06</a:t>
             </a:fld>
             <a:endParaRPr lang="ko-KR" altLang="en-US"/>
           </a:p>
@@ -1965,7 +1965,7 @@
           <a:p>
             <a:fld id="{30F02898-5469-459A-89FC-A3640E250F04}" type="datetimeFigureOut">
               <a:rPr lang="ko-KR" altLang="en-US" smtClean="0"/>
-              <a:t>2025-05-05</a:t>
+              <a:t>2025-05-06</a:t>
             </a:fld>
             <a:endParaRPr lang="ko-KR" altLang="en-US"/>
           </a:p>
@@ -2078,7 +2078,7 @@
           <a:p>
             <a:fld id="{30F02898-5469-459A-89FC-A3640E250F04}" type="datetimeFigureOut">
               <a:rPr lang="ko-KR" altLang="en-US" smtClean="0"/>
-              <a:t>2025-05-05</a:t>
+              <a:t>2025-05-06</a:t>
             </a:fld>
             <a:endParaRPr lang="ko-KR" altLang="en-US"/>
           </a:p>
@@ -2389,7 +2389,7 @@
           <a:p>
             <a:fld id="{30F02898-5469-459A-89FC-A3640E250F04}" type="datetimeFigureOut">
               <a:rPr lang="ko-KR" altLang="en-US" smtClean="0"/>
-              <a:t>2025-05-05</a:t>
+              <a:t>2025-05-06</a:t>
             </a:fld>
             <a:endParaRPr lang="ko-KR" altLang="en-US"/>
           </a:p>
@@ -2677,7 +2677,7 @@
           <a:p>
             <a:fld id="{30F02898-5469-459A-89FC-A3640E250F04}" type="datetimeFigureOut">
               <a:rPr lang="ko-KR" altLang="en-US" smtClean="0"/>
-              <a:t>2025-05-05</a:t>
+              <a:t>2025-05-06</a:t>
             </a:fld>
             <a:endParaRPr lang="ko-KR" altLang="en-US"/>
           </a:p>
@@ -2918,7 +2918,7 @@
           <a:p>
             <a:fld id="{30F02898-5469-459A-89FC-A3640E250F04}" type="datetimeFigureOut">
               <a:rPr lang="ko-KR" altLang="en-US" smtClean="0"/>
-              <a:t>2025-05-05</a:t>
+              <a:t>2025-05-06</a:t>
             </a:fld>
             <a:endParaRPr lang="ko-KR" altLang="en-US"/>
           </a:p>
